--- a/presentation-3/Presentation3.pptx
+++ b/presentation-3/Presentation3.pptx
@@ -5,7 +5,7 @@
     <p:sldMasterId id="2147483708" r:id="rId1"/>
   </p:sldMasterIdLst>
   <p:notesMasterIdLst>
-    <p:notesMasterId r:id="rId31"/>
+    <p:notesMasterId r:id="rId32"/>
   </p:notesMasterIdLst>
   <p:sldIdLst>
     <p:sldId id="256" r:id="rId2"/>
@@ -36,7 +36,8 @@
     <p:sldId id="303" r:id="rId27"/>
     <p:sldId id="305" r:id="rId28"/>
     <p:sldId id="306" r:id="rId29"/>
-    <p:sldId id="286" r:id="rId30"/>
+    <p:sldId id="307" r:id="rId30"/>
+    <p:sldId id="286" r:id="rId31"/>
   </p:sldIdLst>
   <p:sldSz cx="9144000" cy="6858000" type="screen4x3"/>
   <p:notesSz cx="6858000" cy="9144000"/>
@@ -168,6 +169,7 @@
             <p14:sldId id="303"/>
             <p14:sldId id="305"/>
             <p14:sldId id="306"/>
+            <p14:sldId id="307"/>
             <p14:sldId id="286"/>
           </p14:sldIdLst>
         </p14:section>
@@ -259,7 +261,7 @@
           <a:p>
             <a:fld id="{AAAFC872-01C6-442E-BD56-990192213DF5}" type="datetimeFigureOut">
               <a:rPr lang="en-US" smtClean="0"/>
-              <a:t>11/2/2016</a:t>
+              <a:t>11/3/2016</a:t>
             </a:fld>
             <a:endParaRPr lang="en-US"/>
           </a:p>
@@ -708,7 +710,7 @@
           <a:p>
             <a:fld id="{EB8790EE-DE21-4C03-AB70-882520788178}" type="datetime1">
               <a:rPr lang="en-US" smtClean="0"/>
-              <a:t>11/2/2016</a:t>
+              <a:t>11/3/2016</a:t>
             </a:fld>
             <a:endParaRPr lang="en-US"/>
           </a:p>
@@ -878,7 +880,7 @@
           <a:p>
             <a:fld id="{B47299CF-8A14-47B5-B880-6A6F78F44683}" type="datetime1">
               <a:rPr lang="en-US" smtClean="0"/>
-              <a:t>11/2/2016</a:t>
+              <a:t>11/3/2016</a:t>
             </a:fld>
             <a:endParaRPr lang="en-US"/>
           </a:p>
@@ -1058,7 +1060,7 @@
           <a:p>
             <a:fld id="{6248C1C5-15F3-4EEF-ADEF-C2D9D772A7A6}" type="datetime1">
               <a:rPr lang="en-US" smtClean="0"/>
-              <a:t>11/2/2016</a:t>
+              <a:t>11/3/2016</a:t>
             </a:fld>
             <a:endParaRPr lang="en-US"/>
           </a:p>
@@ -1228,7 +1230,7 @@
           <a:p>
             <a:fld id="{939E6CD1-4D2E-4DBC-9381-FEA14BD8C518}" type="datetime1">
               <a:rPr lang="en-US" smtClean="0"/>
-              <a:t>11/2/2016</a:t>
+              <a:t>11/3/2016</a:t>
             </a:fld>
             <a:endParaRPr lang="en-US"/>
           </a:p>
@@ -1474,7 +1476,7 @@
           <a:p>
             <a:fld id="{EC766C58-764C-4993-AFFA-CF529897ADE1}" type="datetime1">
               <a:rPr lang="en-US" smtClean="0"/>
-              <a:t>11/2/2016</a:t>
+              <a:t>11/3/2016</a:t>
             </a:fld>
             <a:endParaRPr lang="en-US"/>
           </a:p>
@@ -1762,7 +1764,7 @@
           <a:p>
             <a:fld id="{D492FA05-2AB2-4B5C-B715-50C3CF70CCD7}" type="datetime1">
               <a:rPr lang="en-US" smtClean="0"/>
-              <a:t>11/2/2016</a:t>
+              <a:t>11/3/2016</a:t>
             </a:fld>
             <a:endParaRPr lang="en-US"/>
           </a:p>
@@ -2184,7 +2186,7 @@
           <a:p>
             <a:fld id="{14B28006-7AD3-4D4F-A07C-0F2BB45B65B1}" type="datetime1">
               <a:rPr lang="en-US" smtClean="0"/>
-              <a:t>11/2/2016</a:t>
+              <a:t>11/3/2016</a:t>
             </a:fld>
             <a:endParaRPr lang="en-US"/>
           </a:p>
@@ -2302,7 +2304,7 @@
           <a:p>
             <a:fld id="{99ED5387-79FC-44A6-8B92-4C72D1597292}" type="datetime1">
               <a:rPr lang="en-US" smtClean="0"/>
-              <a:t>11/2/2016</a:t>
+              <a:t>11/3/2016</a:t>
             </a:fld>
             <a:endParaRPr lang="en-US"/>
           </a:p>
@@ -2397,7 +2399,7 @@
           <a:p>
             <a:fld id="{DA8E43DC-2E89-4A1F-872D-6E530D0E721E}" type="datetime1">
               <a:rPr lang="en-US" smtClean="0"/>
-              <a:t>11/2/2016</a:t>
+              <a:t>11/3/2016</a:t>
             </a:fld>
             <a:endParaRPr lang="en-US"/>
           </a:p>
@@ -2674,7 +2676,7 @@
           <a:p>
             <a:fld id="{5F4130BC-8581-42AB-BF95-989B7515FAB7}" type="datetime1">
               <a:rPr lang="en-US" smtClean="0"/>
-              <a:t>11/2/2016</a:t>
+              <a:t>11/3/2016</a:t>
             </a:fld>
             <a:endParaRPr lang="en-US"/>
           </a:p>
@@ -2927,7 +2929,7 @@
           <a:p>
             <a:fld id="{EF64A55C-074A-4CC2-8E1E-8EE901BC97C8}" type="datetime1">
               <a:rPr lang="en-US" smtClean="0"/>
-              <a:t>11/2/2016</a:t>
+              <a:t>11/3/2016</a:t>
             </a:fld>
             <a:endParaRPr lang="en-US"/>
           </a:p>
@@ -3140,7 +3142,7 @@
           <a:p>
             <a:fld id="{22B0E374-CF7D-4900-8FCD-6146378F0570}" type="datetime1">
               <a:rPr lang="en-US" smtClean="0"/>
-              <a:t>11/2/2016</a:t>
+              <a:t>11/3/2016</a:t>
             </a:fld>
             <a:endParaRPr lang="en-US"/>
           </a:p>
@@ -3864,7 +3866,6 @@
               <a:rPr lang="en-US" sz="2800" b="1" dirty="0" smtClean="0"/>
               <a:t>Indexer Hybrid Method Study</a:t>
             </a:r>
-            <a:endParaRPr lang="en-US" sz="2800" b="1" dirty="0" smtClean="0"/>
           </a:p>
         </p:txBody>
       </p:sp>
@@ -4006,11 +4007,6 @@
               </a:rPr>
               <a:t>Inverted File and R*-Tree Double Index</a:t>
             </a:r>
-            <a:endParaRPr lang="en-US" sz="3200" dirty="0">
-              <a:solidFill>
-                <a:schemeClr val="tx1"/>
-              </a:solidFill>
-            </a:endParaRPr>
           </a:p>
         </p:txBody>
       </p:sp>
@@ -4538,7 +4534,6 @@
               <a:rPr lang="en-US" sz="2800" b="1" dirty="0" smtClean="0"/>
               <a:t>Dataset Performance</a:t>
             </a:r>
-            <a:endParaRPr lang="en-US" sz="2800" b="1" dirty="0" smtClean="0"/>
           </a:p>
         </p:txBody>
       </p:sp>
@@ -4947,14 +4942,159 @@
         </p:blipFill>
         <p:spPr>
           <a:xfrm>
-            <a:off x="1905000" y="3658046"/>
-            <a:ext cx="5410200" cy="2720918"/>
+            <a:off x="2243631" y="3658046"/>
+            <a:ext cx="4732938" cy="2720918"/>
           </a:xfrm>
           <a:prstGeom prst="rect">
             <a:avLst/>
           </a:prstGeom>
         </p:spPr>
       </p:pic>
+      <p:sp>
+        <p:nvSpPr>
+          <p:cNvPr id="7" name="Rectangular Callout 6"/>
+          <p:cNvSpPr/>
+          <p:nvPr/>
+        </p:nvSpPr>
+        <p:spPr>
+          <a:xfrm>
+            <a:off x="53266" y="4721182"/>
+            <a:ext cx="1295400" cy="460248"/>
+          </a:xfrm>
+          <a:prstGeom prst="wedgeRectCallout">
+            <a:avLst>
+              <a:gd name="adj1" fmla="val 130963"/>
+              <a:gd name="adj2" fmla="val 136809"/>
+            </a:avLst>
+          </a:prstGeom>
+        </p:spPr>
+        <p:style>
+          <a:lnRef idx="2">
+            <a:schemeClr val="accent1">
+              <a:shade val="50000"/>
+            </a:schemeClr>
+          </a:lnRef>
+          <a:fillRef idx="1">
+            <a:schemeClr val="accent1"/>
+          </a:fillRef>
+          <a:effectRef idx="0">
+            <a:schemeClr val="accent1"/>
+          </a:effectRef>
+          <a:fontRef idx="minor">
+            <a:schemeClr val="lt1"/>
+          </a:fontRef>
+        </p:style>
+        <p:txBody>
+          <a:bodyPr rtlCol="0" anchor="ctr"/>
+          <a:lstStyle/>
+          <a:p>
+            <a:pPr algn="ctr"/>
+            <a:r>
+              <a:rPr lang="en-US" sz="1600" dirty="0" smtClean="0"/>
+              <a:t>Time cost of disk access</a:t>
+            </a:r>
+            <a:endParaRPr lang="en-US" sz="1600" dirty="0"/>
+          </a:p>
+        </p:txBody>
+      </p:sp>
+      <p:sp>
+        <p:nvSpPr>
+          <p:cNvPr id="9" name="Rectangular Callout 8"/>
+          <p:cNvSpPr/>
+          <p:nvPr/>
+        </p:nvSpPr>
+        <p:spPr>
+          <a:xfrm>
+            <a:off x="53266" y="5990722"/>
+            <a:ext cx="1770446" cy="430489"/>
+          </a:xfrm>
+          <a:prstGeom prst="wedgeRectCallout">
+            <a:avLst>
+              <a:gd name="adj1" fmla="val 82687"/>
+              <a:gd name="adj2" fmla="val -81179"/>
+            </a:avLst>
+          </a:prstGeom>
+        </p:spPr>
+        <p:style>
+          <a:lnRef idx="2">
+            <a:schemeClr val="accent1">
+              <a:shade val="50000"/>
+            </a:schemeClr>
+          </a:lnRef>
+          <a:fillRef idx="1">
+            <a:schemeClr val="accent1"/>
+          </a:fillRef>
+          <a:effectRef idx="0">
+            <a:schemeClr val="accent1"/>
+          </a:effectRef>
+          <a:fontRef idx="minor">
+            <a:schemeClr val="lt1"/>
+          </a:fontRef>
+        </p:style>
+        <p:txBody>
+          <a:bodyPr rtlCol="0" anchor="ctr"/>
+          <a:lstStyle/>
+          <a:p>
+            <a:pPr algn="ctr"/>
+            <a:r>
+              <a:rPr lang="en-US" sz="1600" dirty="0" smtClean="0"/>
+              <a:t>Time cost to merge x elements</a:t>
+            </a:r>
+            <a:endParaRPr lang="en-US" sz="1600" dirty="0"/>
+          </a:p>
+        </p:txBody>
+      </p:sp>
+      <p:sp>
+        <p:nvSpPr>
+          <p:cNvPr id="10" name="Rectangular Callout 9"/>
+          <p:cNvSpPr/>
+          <p:nvPr/>
+        </p:nvSpPr>
+        <p:spPr>
+          <a:xfrm>
+            <a:off x="53266" y="3886200"/>
+            <a:ext cx="1623134" cy="460248"/>
+          </a:xfrm>
+          <a:prstGeom prst="wedgeRectCallout">
+            <a:avLst>
+              <a:gd name="adj1" fmla="val 97466"/>
+              <a:gd name="adj2" fmla="val 252256"/>
+            </a:avLst>
+          </a:prstGeom>
+        </p:spPr>
+        <p:style>
+          <a:lnRef idx="2">
+            <a:schemeClr val="accent1">
+              <a:shade val="50000"/>
+            </a:schemeClr>
+          </a:lnRef>
+          <a:fillRef idx="1">
+            <a:schemeClr val="accent1"/>
+          </a:fillRef>
+          <a:effectRef idx="0">
+            <a:schemeClr val="accent1"/>
+          </a:effectRef>
+          <a:fontRef idx="minor">
+            <a:schemeClr val="lt1"/>
+          </a:fontRef>
+        </p:style>
+        <p:txBody>
+          <a:bodyPr rtlCol="0" anchor="ctr"/>
+          <a:lstStyle/>
+          <a:p>
+            <a:pPr algn="ctr"/>
+            <a:r>
+              <a:rPr lang="en-US" sz="1600" dirty="0" smtClean="0"/>
+              <a:t>Time cost of </a:t>
+            </a:r>
+            <a:r>
+              <a:rPr lang="en-US" sz="1600" dirty="0" smtClean="0"/>
+              <a:t>Retrieve R-Tree</a:t>
+            </a:r>
+            <a:endParaRPr lang="en-US" sz="1600" dirty="0"/>
+          </a:p>
+        </p:txBody>
+      </p:sp>
     </p:spTree>
     <p:extLst>
       <p:ext uri="{BB962C8B-B14F-4D97-AF65-F5344CB8AC3E}">
@@ -4968,9 +5108,117 @@
   <p:timing>
     <p:tnLst>
       <p:par>
-        <p:cTn id="1" dur="indefinite" restart="never" nodeType="tmRoot"/>
+        <p:cTn id="1" dur="indefinite" restart="never" nodeType="tmRoot">
+          <p:childTnLst>
+            <p:seq concurrent="1" nextAc="seek">
+              <p:cTn id="2" dur="indefinite" nodeType="mainSeq">
+                <p:childTnLst>
+                  <p:par>
+                    <p:cTn id="3" fill="hold">
+                      <p:stCondLst>
+                        <p:cond delay="indefinite"/>
+                      </p:stCondLst>
+                      <p:childTnLst>
+                        <p:par>
+                          <p:cTn id="4" fill="hold">
+                            <p:stCondLst>
+                              <p:cond delay="0"/>
+                            </p:stCondLst>
+                            <p:childTnLst>
+                              <p:par>
+                                <p:cTn id="5" presetID="1" presetClass="entr" presetSubtype="0" fill="hold" grpId="0" nodeType="clickEffect">
+                                  <p:stCondLst>
+                                    <p:cond delay="0"/>
+                                  </p:stCondLst>
+                                  <p:childTnLst>
+                                    <p:set>
+                                      <p:cBhvr>
+                                        <p:cTn id="6" dur="1" fill="hold">
+                                          <p:stCondLst>
+                                            <p:cond delay="0"/>
+                                          </p:stCondLst>
+                                        </p:cTn>
+                                        <p:tgtEl>
+                                          <p:spTgt spid="9"/>
+                                        </p:tgtEl>
+                                        <p:attrNameLst>
+                                          <p:attrName>style.visibility</p:attrName>
+                                        </p:attrNameLst>
+                                      </p:cBhvr>
+                                      <p:to>
+                                        <p:strVal val="visible"/>
+                                      </p:to>
+                                    </p:set>
+                                  </p:childTnLst>
+                                </p:cTn>
+                              </p:par>
+                            </p:childTnLst>
+                          </p:cTn>
+                        </p:par>
+                        <p:par>
+                          <p:cTn id="7" fill="hold">
+                            <p:stCondLst>
+                              <p:cond delay="0"/>
+                            </p:stCondLst>
+                            <p:childTnLst>
+                              <p:par>
+                                <p:cTn id="8" presetID="1" presetClass="exit" presetSubtype="0" fill="hold" grpId="1" nodeType="afterEffect">
+                                  <p:stCondLst>
+                                    <p:cond delay="0"/>
+                                  </p:stCondLst>
+                                  <p:childTnLst>
+                                    <p:set>
+                                      <p:cBhvr>
+                                        <p:cTn id="9" dur="1" fill="hold">
+                                          <p:stCondLst>
+                                            <p:cond delay="0"/>
+                                          </p:stCondLst>
+                                        </p:cTn>
+                                        <p:tgtEl>
+                                          <p:spTgt spid="9"/>
+                                        </p:tgtEl>
+                                        <p:attrNameLst>
+                                          <p:attrName>style.visibility</p:attrName>
+                                        </p:attrNameLst>
+                                      </p:cBhvr>
+                                      <p:to>
+                                        <p:strVal val="hidden"/>
+                                      </p:to>
+                                    </p:set>
+                                  </p:childTnLst>
+                                </p:cTn>
+                              </p:par>
+                            </p:childTnLst>
+                          </p:cTn>
+                        </p:par>
+                      </p:childTnLst>
+                    </p:cTn>
+                  </p:par>
+                </p:childTnLst>
+              </p:cTn>
+              <p:prevCondLst>
+                <p:cond evt="onPrev" delay="0">
+                  <p:tgtEl>
+                    <p:sldTgt/>
+                  </p:tgtEl>
+                </p:cond>
+              </p:prevCondLst>
+              <p:nextCondLst>
+                <p:cond evt="onNext" delay="0">
+                  <p:tgtEl>
+                    <p:sldTgt/>
+                  </p:tgtEl>
+                </p:cond>
+              </p:nextCondLst>
+            </p:seq>
+          </p:childTnLst>
+        </p:cTn>
       </p:par>
     </p:tnLst>
+    <p:bldLst>
+      <p:bldP spid="9" grpId="0" animBg="1"/>
+      <p:bldP spid="9" grpId="1" animBg="1"/>
+    </p:bldLst>
   </p:timing>
 </p:sld>
 </file>
@@ -5358,11 +5606,6 @@
               </a:rPr>
               <a:t>Geo Coding</a:t>
             </a:r>
-            <a:endParaRPr lang="en-US" sz="3200" dirty="0">
-              <a:solidFill>
-                <a:schemeClr val="tx1"/>
-              </a:solidFill>
-            </a:endParaRPr>
           </a:p>
         </p:txBody>
       </p:sp>
@@ -6273,7 +6516,6 @@
               <a:rPr lang="en-US" dirty="0"/>
               <a:t>whose footprint is likely to intersect the query footprint.</a:t>
             </a:r>
-            <a:endParaRPr lang="en-US" dirty="0"/>
           </a:p>
         </p:txBody>
       </p:sp>
@@ -6634,7 +6876,6 @@
               <a:rPr lang="en-US" dirty="0"/>
               <a:t>retrieved in Step (2).</a:t>
             </a:r>
-            <a:endParaRPr lang="en-US" dirty="0"/>
           </a:p>
         </p:txBody>
       </p:sp>
@@ -6930,7 +7171,6 @@
               <a:rPr lang="en-US" dirty="0"/>
               <a:t>are retrieved.</a:t>
             </a:r>
-            <a:endParaRPr lang="en-US" dirty="0"/>
           </a:p>
         </p:txBody>
       </p:sp>
@@ -7399,21 +7639,51 @@
                   <a:schemeClr val="tx1"/>
                 </a:solidFill>
               </a:rPr>
-              <a:t>Reference</a:t>
-            </a:r>
-          </a:p>
-        </p:txBody>
-      </p:sp>
-      <p:sp>
-        <p:nvSpPr>
-          <p:cNvPr id="3" name="TextBox 2"/>
+              <a:t>Papers Comparison</a:t>
+            </a:r>
+          </a:p>
+        </p:txBody>
+      </p:sp>
+      <p:pic>
+        <p:nvPicPr>
+          <p:cNvPr id="3" name="Picture 2"/>
+          <p:cNvPicPr>
+            <a:picLocks noChangeAspect="1"/>
+          </p:cNvPicPr>
+          <p:nvPr/>
+        </p:nvPicPr>
+        <p:blipFill>
+          <a:blip r:embed="rId2">
+            <a:extLst>
+              <a:ext uri="{28A0092B-C50C-407E-A947-70E740481C1C}">
+                <a14:useLocalDpi xmlns:a14="http://schemas.microsoft.com/office/drawing/2010/main" val="0"/>
+              </a:ext>
+            </a:extLst>
+          </a:blip>
+          <a:stretch>
+            <a:fillRect/>
+          </a:stretch>
+        </p:blipFill>
+        <p:spPr>
+          <a:xfrm>
+            <a:off x="2206857" y="4058159"/>
+            <a:ext cx="4399214" cy="2723641"/>
+          </a:xfrm>
+          <a:prstGeom prst="rect">
+            <a:avLst/>
+          </a:prstGeom>
+        </p:spPr>
+      </p:pic>
+      <p:sp>
+        <p:nvSpPr>
+          <p:cNvPr id="6" name="TextBox 5"/>
           <p:cNvSpPr txBox="1"/>
           <p:nvPr/>
         </p:nvSpPr>
         <p:spPr>
           <a:xfrm>
-            <a:off x="609600" y="1371600"/>
-            <a:ext cx="495649" cy="369332"/>
+            <a:off x="3843709" y="609600"/>
+            <a:ext cx="1178271" cy="369332"/>
           </a:xfrm>
           <a:prstGeom prst="rect">
             <a:avLst/>
@@ -7428,7 +7698,7 @@
           <a:p>
             <a:r>
               <a:rPr lang="en-US" dirty="0" smtClean="0"/>
-              <a:t>[1] </a:t>
+              <a:t>First Paper</a:t>
             </a:r>
             <a:endParaRPr lang="en-US" dirty="0"/>
           </a:p>
@@ -7436,14 +7706,14 @@
       </p:sp>
       <p:sp>
         <p:nvSpPr>
-          <p:cNvPr id="5" name="TextBox 4"/>
+          <p:cNvPr id="8" name="TextBox 7"/>
           <p:cNvSpPr txBox="1"/>
           <p:nvPr/>
         </p:nvSpPr>
         <p:spPr>
           <a:xfrm>
-            <a:off x="1066800" y="1371600"/>
-            <a:ext cx="7556941" cy="1200329"/>
+            <a:off x="3813376" y="3593068"/>
+            <a:ext cx="1461810" cy="369332"/>
           </a:xfrm>
           <a:prstGeom prst="rect">
             <a:avLst/>
@@ -7457,180 +7727,192 @@
           <a:lstStyle/>
           <a:p>
             <a:r>
-              <a:rPr lang="en-US" dirty="0"/>
-              <a:t>Zhou, Y., </a:t>
-            </a:r>
-            <a:r>
-              <a:rPr lang="en-US" dirty="0" err="1"/>
-              <a:t>Xie</a:t>
-            </a:r>
-            <a:r>
-              <a:rPr lang="en-US" dirty="0"/>
-              <a:t>, X., Wang, C., Gong, Y., &amp; Ma, W.-Y. (2005). Hybrid index </a:t>
-            </a:r>
-            <a:r>
               <a:rPr lang="en-US" dirty="0" smtClean="0"/>
-              <a:t>structures</a:t>
-            </a:r>
-          </a:p>
-          <a:p>
-            <a:r>
-              <a:rPr lang="en-US" dirty="0" smtClean="0"/>
-              <a:t>for </a:t>
-            </a:r>
-            <a:r>
-              <a:rPr lang="en-US" dirty="0"/>
-              <a:t>location-based web search. In CIKM ’05: Proceedings of the </a:t>
-            </a:r>
-            <a:r>
-              <a:rPr lang="en-US" dirty="0" smtClean="0"/>
-              <a:t>14</a:t>
-            </a:r>
-            <a:r>
-              <a:rPr lang="en-US" baseline="30000" dirty="0" smtClean="0"/>
-              <a:t>th</a:t>
-            </a:r>
-            <a:r>
-              <a:rPr lang="en-US" dirty="0" smtClean="0"/>
-              <a:t> ACM </a:t>
-            </a:r>
-          </a:p>
-          <a:p>
-            <a:r>
-              <a:rPr lang="en-US" dirty="0" smtClean="0"/>
-              <a:t>international </a:t>
-            </a:r>
-            <a:r>
-              <a:rPr lang="en-US" dirty="0"/>
-              <a:t>conference on information and knowledge </a:t>
-            </a:r>
-            <a:r>
-              <a:rPr lang="en-US" dirty="0" smtClean="0"/>
-              <a:t>management</a:t>
-            </a:r>
-          </a:p>
-          <a:p>
-            <a:r>
-              <a:rPr lang="en-US" dirty="0" smtClean="0"/>
-              <a:t>(</a:t>
-            </a:r>
-            <a:r>
-              <a:rPr lang="en-US" dirty="0"/>
-              <a:t>pp. 155–162). ACM.</a:t>
+              <a:t>Second Paper</a:t>
             </a:r>
             <a:endParaRPr lang="en-US" dirty="0"/>
           </a:p>
         </p:txBody>
       </p:sp>
-      <p:sp>
-        <p:nvSpPr>
-          <p:cNvPr id="8" name="TextBox 7"/>
-          <p:cNvSpPr txBox="1"/>
+      <p:pic>
+        <p:nvPicPr>
+          <p:cNvPr id="11" name="Picture 10"/>
+          <p:cNvPicPr>
+            <a:picLocks noChangeAspect="1"/>
+          </p:cNvPicPr>
           <p:nvPr/>
-        </p:nvSpPr>
-        <p:spPr>
-          <a:xfrm>
-            <a:off x="609600" y="2743200"/>
-            <a:ext cx="495649" cy="369332"/>
+        </p:nvPicPr>
+        <p:blipFill>
+          <a:blip r:embed="rId3">
+            <a:extLst>
+              <a:ext uri="{28A0092B-C50C-407E-A947-70E740481C1C}">
+                <a14:useLocalDpi xmlns:a14="http://schemas.microsoft.com/office/drawing/2010/main" val="0"/>
+              </a:ext>
+            </a:extLst>
+          </a:blip>
+          <a:stretch>
+            <a:fillRect/>
+          </a:stretch>
+        </p:blipFill>
+        <p:spPr>
+          <a:xfrm>
+            <a:off x="2243631" y="914400"/>
+            <a:ext cx="4732938" cy="2720918"/>
           </a:xfrm>
           <a:prstGeom prst="rect">
             <a:avLst/>
           </a:prstGeom>
-          <a:noFill/>
-        </p:spPr>
-        <p:txBody>
-          <a:bodyPr wrap="none" rtlCol="0">
-            <a:spAutoFit/>
-          </a:bodyPr>
-          <a:lstStyle/>
-          <a:p>
-            <a:r>
-              <a:rPr lang="en-US" dirty="0" smtClean="0"/>
-              <a:t>[2] </a:t>
-            </a:r>
-            <a:endParaRPr lang="en-US" dirty="0"/>
-          </a:p>
-        </p:txBody>
-      </p:sp>
-      <p:sp>
-        <p:nvSpPr>
-          <p:cNvPr id="9" name="TextBox 8"/>
-          <p:cNvSpPr txBox="1"/>
+        </p:spPr>
+      </p:pic>
+      <p:sp>
+        <p:nvSpPr>
+          <p:cNvPr id="12" name="Rectangular Callout 11"/>
+          <p:cNvSpPr/>
           <p:nvPr/>
         </p:nvSpPr>
         <p:spPr>
           <a:xfrm>
-            <a:off x="1066800" y="2734270"/>
-            <a:ext cx="7505453" cy="923330"/>
-          </a:xfrm>
-          <a:prstGeom prst="rect">
-            <a:avLst/>
+            <a:off x="53266" y="1901336"/>
+            <a:ext cx="1295400" cy="460248"/>
+          </a:xfrm>
+          <a:prstGeom prst="wedgeRectCallout">
+            <a:avLst>
+              <a:gd name="adj1" fmla="val 130963"/>
+              <a:gd name="adj2" fmla="val 136809"/>
+            </a:avLst>
           </a:prstGeom>
-          <a:noFill/>
-        </p:spPr>
-        <p:txBody>
-          <a:bodyPr wrap="none" rtlCol="0">
-            <a:spAutoFit/>
-          </a:bodyPr>
-          <a:lstStyle/>
-          <a:p>
-            <a:r>
-              <a:rPr lang="en-US" dirty="0"/>
-              <a:t>Chen, Y. Y., </a:t>
-            </a:r>
-            <a:r>
-              <a:rPr lang="en-US" dirty="0" err="1"/>
-              <a:t>Suel</a:t>
-            </a:r>
-            <a:r>
-              <a:rPr lang="en-US" dirty="0"/>
-              <a:t>, T., &amp; </a:t>
-            </a:r>
-            <a:r>
-              <a:rPr lang="en-US" dirty="0" err="1"/>
-              <a:t>Markowetz</a:t>
-            </a:r>
-            <a:r>
-              <a:rPr lang="en-US" dirty="0"/>
-              <a:t>, A. (2006, June). Efficient query processing </a:t>
-            </a:r>
-            <a:r>
-              <a:rPr lang="en-US" dirty="0" smtClean="0"/>
-              <a:t>in</a:t>
-            </a:r>
-          </a:p>
-          <a:p>
-            <a:r>
-              <a:rPr lang="en-US" dirty="0"/>
-              <a:t>geographic web search engines. In </a:t>
-            </a:r>
-            <a:r>
-              <a:rPr lang="en-US" i="1" dirty="0"/>
-              <a:t>Proceedings of the 2006 ACM SIGMOD </a:t>
-            </a:r>
-            <a:endParaRPr lang="en-US" i="1" dirty="0" smtClean="0"/>
-          </a:p>
-          <a:p>
-            <a:r>
-              <a:rPr lang="en-US" i="1" dirty="0"/>
-              <a:t>international conference on Management of data</a:t>
-            </a:r>
-            <a:r>
-              <a:rPr lang="en-US" dirty="0"/>
-              <a:t> (pp. 277-288). ACM</a:t>
-            </a:r>
-            <a:r>
-              <a:rPr lang="en-US" dirty="0" smtClean="0"/>
-              <a:t>.</a:t>
-            </a:r>
-            <a:endParaRPr lang="en-US" dirty="0"/>
+        </p:spPr>
+        <p:style>
+          <a:lnRef idx="2">
+            <a:schemeClr val="accent1">
+              <a:shade val="50000"/>
+            </a:schemeClr>
+          </a:lnRef>
+          <a:fillRef idx="1">
+            <a:schemeClr val="accent1"/>
+          </a:fillRef>
+          <a:effectRef idx="0">
+            <a:schemeClr val="accent1"/>
+          </a:effectRef>
+          <a:fontRef idx="minor">
+            <a:schemeClr val="lt1"/>
+          </a:fontRef>
+        </p:style>
+        <p:txBody>
+          <a:bodyPr rtlCol="0" anchor="ctr"/>
+          <a:lstStyle/>
+          <a:p>
+            <a:pPr algn="ctr"/>
+            <a:r>
+              <a:rPr lang="en-US" sz="1600" dirty="0" smtClean="0"/>
+              <a:t>Time cost of disk access</a:t>
+            </a:r>
+            <a:endParaRPr lang="en-US" sz="1600" dirty="0"/>
+          </a:p>
+        </p:txBody>
+      </p:sp>
+      <p:sp>
+        <p:nvSpPr>
+          <p:cNvPr id="14" name="Rectangular Callout 13"/>
+          <p:cNvSpPr/>
+          <p:nvPr/>
+        </p:nvSpPr>
+        <p:spPr>
+          <a:xfrm>
+            <a:off x="53266" y="3170876"/>
+            <a:ext cx="1770446" cy="430489"/>
+          </a:xfrm>
+          <a:prstGeom prst="wedgeRectCallout">
+            <a:avLst>
+              <a:gd name="adj1" fmla="val 82687"/>
+              <a:gd name="adj2" fmla="val -81179"/>
+            </a:avLst>
+          </a:prstGeom>
+        </p:spPr>
+        <p:style>
+          <a:lnRef idx="2">
+            <a:schemeClr val="accent1">
+              <a:shade val="50000"/>
+            </a:schemeClr>
+          </a:lnRef>
+          <a:fillRef idx="1">
+            <a:schemeClr val="accent1"/>
+          </a:fillRef>
+          <a:effectRef idx="0">
+            <a:schemeClr val="accent1"/>
+          </a:effectRef>
+          <a:fontRef idx="minor">
+            <a:schemeClr val="lt1"/>
+          </a:fontRef>
+        </p:style>
+        <p:txBody>
+          <a:bodyPr rtlCol="0" anchor="ctr"/>
+          <a:lstStyle/>
+          <a:p>
+            <a:pPr algn="ctr"/>
+            <a:r>
+              <a:rPr lang="en-US" sz="1600" dirty="0" smtClean="0"/>
+              <a:t>Time cost to merge x elements</a:t>
+            </a:r>
+            <a:endParaRPr lang="en-US" sz="1600" dirty="0"/>
+          </a:p>
+        </p:txBody>
+      </p:sp>
+      <p:sp>
+        <p:nvSpPr>
+          <p:cNvPr id="15" name="Rectangular Callout 14"/>
+          <p:cNvSpPr/>
+          <p:nvPr/>
+        </p:nvSpPr>
+        <p:spPr>
+          <a:xfrm>
+            <a:off x="53266" y="1066354"/>
+            <a:ext cx="1623134" cy="460248"/>
+          </a:xfrm>
+          <a:prstGeom prst="wedgeRectCallout">
+            <a:avLst>
+              <a:gd name="adj1" fmla="val 97466"/>
+              <a:gd name="adj2" fmla="val 252256"/>
+            </a:avLst>
+          </a:prstGeom>
+        </p:spPr>
+        <p:style>
+          <a:lnRef idx="2">
+            <a:schemeClr val="accent1">
+              <a:shade val="50000"/>
+            </a:schemeClr>
+          </a:lnRef>
+          <a:fillRef idx="1">
+            <a:schemeClr val="accent1"/>
+          </a:fillRef>
+          <a:effectRef idx="0">
+            <a:schemeClr val="accent1"/>
+          </a:effectRef>
+          <a:fontRef idx="minor">
+            <a:schemeClr val="lt1"/>
+          </a:fontRef>
+        </p:style>
+        <p:txBody>
+          <a:bodyPr rtlCol="0" anchor="ctr"/>
+          <a:lstStyle/>
+          <a:p>
+            <a:pPr algn="ctr"/>
+            <a:r>
+              <a:rPr lang="en-US" sz="1600" dirty="0" smtClean="0"/>
+              <a:t>Time cost of </a:t>
+            </a:r>
+            <a:r>
+              <a:rPr lang="en-US" sz="1600" dirty="0" smtClean="0"/>
+              <a:t>Retrieve R-Tree</a:t>
+            </a:r>
+            <a:endParaRPr lang="en-US" sz="1600" dirty="0"/>
           </a:p>
         </p:txBody>
       </p:sp>
     </p:spTree>
     <p:extLst>
       <p:ext uri="{BB962C8B-B14F-4D97-AF65-F5344CB8AC3E}">
-        <p14:creationId xmlns:p14="http://schemas.microsoft.com/office/powerpoint/2010/main" val="2191661891"/>
+        <p14:creationId xmlns:p14="http://schemas.microsoft.com/office/powerpoint/2010/main" val="3465661596"/>
       </p:ext>
     </p:extLst>
   </p:cSld>
@@ -7640,9 +7922,117 @@
   <p:timing>
     <p:tnLst>
       <p:par>
-        <p:cTn id="1" dur="indefinite" restart="never" nodeType="tmRoot"/>
+        <p:cTn id="1" dur="indefinite" restart="never" nodeType="tmRoot">
+          <p:childTnLst>
+            <p:seq concurrent="1" nextAc="seek">
+              <p:cTn id="2" dur="indefinite" nodeType="mainSeq">
+                <p:childTnLst>
+                  <p:par>
+                    <p:cTn id="3" fill="hold">
+                      <p:stCondLst>
+                        <p:cond delay="indefinite"/>
+                      </p:stCondLst>
+                      <p:childTnLst>
+                        <p:par>
+                          <p:cTn id="4" fill="hold">
+                            <p:stCondLst>
+                              <p:cond delay="0"/>
+                            </p:stCondLst>
+                            <p:childTnLst>
+                              <p:par>
+                                <p:cTn id="5" presetID="1" presetClass="entr" presetSubtype="0" fill="hold" grpId="0" nodeType="clickEffect">
+                                  <p:stCondLst>
+                                    <p:cond delay="0"/>
+                                  </p:stCondLst>
+                                  <p:childTnLst>
+                                    <p:set>
+                                      <p:cBhvr>
+                                        <p:cTn id="6" dur="1" fill="hold">
+                                          <p:stCondLst>
+                                            <p:cond delay="0"/>
+                                          </p:stCondLst>
+                                        </p:cTn>
+                                        <p:tgtEl>
+                                          <p:spTgt spid="14"/>
+                                        </p:tgtEl>
+                                        <p:attrNameLst>
+                                          <p:attrName>style.visibility</p:attrName>
+                                        </p:attrNameLst>
+                                      </p:cBhvr>
+                                      <p:to>
+                                        <p:strVal val="visible"/>
+                                      </p:to>
+                                    </p:set>
+                                  </p:childTnLst>
+                                </p:cTn>
+                              </p:par>
+                            </p:childTnLst>
+                          </p:cTn>
+                        </p:par>
+                        <p:par>
+                          <p:cTn id="7" fill="hold">
+                            <p:stCondLst>
+                              <p:cond delay="0"/>
+                            </p:stCondLst>
+                            <p:childTnLst>
+                              <p:par>
+                                <p:cTn id="8" presetID="1" presetClass="exit" presetSubtype="0" fill="hold" grpId="1" nodeType="afterEffect">
+                                  <p:stCondLst>
+                                    <p:cond delay="0"/>
+                                  </p:stCondLst>
+                                  <p:childTnLst>
+                                    <p:set>
+                                      <p:cBhvr>
+                                        <p:cTn id="9" dur="1" fill="hold">
+                                          <p:stCondLst>
+                                            <p:cond delay="0"/>
+                                          </p:stCondLst>
+                                        </p:cTn>
+                                        <p:tgtEl>
+                                          <p:spTgt spid="14"/>
+                                        </p:tgtEl>
+                                        <p:attrNameLst>
+                                          <p:attrName>style.visibility</p:attrName>
+                                        </p:attrNameLst>
+                                      </p:cBhvr>
+                                      <p:to>
+                                        <p:strVal val="hidden"/>
+                                      </p:to>
+                                    </p:set>
+                                  </p:childTnLst>
+                                </p:cTn>
+                              </p:par>
+                            </p:childTnLst>
+                          </p:cTn>
+                        </p:par>
+                      </p:childTnLst>
+                    </p:cTn>
+                  </p:par>
+                </p:childTnLst>
+              </p:cTn>
+              <p:prevCondLst>
+                <p:cond evt="onPrev" delay="0">
+                  <p:tgtEl>
+                    <p:sldTgt/>
+                  </p:tgtEl>
+                </p:cond>
+              </p:prevCondLst>
+              <p:nextCondLst>
+                <p:cond evt="onNext" delay="0">
+                  <p:tgtEl>
+                    <p:sldTgt/>
+                  </p:tgtEl>
+                </p:cond>
+              </p:nextCondLst>
+            </p:seq>
+          </p:childTnLst>
+        </p:cTn>
       </p:par>
     </p:tnLst>
+    <p:bldLst>
+      <p:bldP spid="14" grpId="0" animBg="1"/>
+      <p:bldP spid="14" grpId="1" animBg="1"/>
+    </p:bldLst>
   </p:timing>
 </p:sld>
 </file>
@@ -7770,15 +8160,7 @@
                   <a:schemeClr val="tx1"/>
                 </a:solidFill>
               </a:rPr>
-              <a:t>Location-Based Web Search Inherent </a:t>
-            </a:r>
-            <a:r>
-              <a:rPr lang="en-US" sz="3200" dirty="0" smtClean="0">
-                <a:solidFill>
-                  <a:schemeClr val="tx1"/>
-                </a:solidFill>
-              </a:rPr>
-              <a:t>Problem</a:t>
+              <a:t>Location-Based Web Search Inherent Problem</a:t>
             </a:r>
             <a:endParaRPr lang="en-US" sz="3200" dirty="0">
               <a:solidFill>
@@ -7879,11 +8261,7 @@
           <a:p>
             <a:r>
               <a:rPr lang="en-US" sz="1600" dirty="0" smtClean="0"/>
-              <a:t>in </a:t>
-            </a:r>
-            <a:r>
-              <a:rPr lang="en-US" sz="1600" dirty="0" smtClean="0"/>
-              <a:t>border of Virginia Beach/Chesapeake</a:t>
+              <a:t>in border of Virginia Beach/Chesapeake</a:t>
             </a:r>
           </a:p>
           <a:p>
@@ -7946,6 +8324,346 @@
     <p:extLst>
       <p:ext uri="{BB962C8B-B14F-4D97-AF65-F5344CB8AC3E}">
         <p14:creationId xmlns:p14="http://schemas.microsoft.com/office/powerpoint/2010/main" val="4195602814"/>
+      </p:ext>
+    </p:extLst>
+  </p:cSld>
+  <p:clrMapOvr>
+    <a:masterClrMapping/>
+  </p:clrMapOvr>
+  <p:timing>
+    <p:tnLst>
+      <p:par>
+        <p:cTn id="1" dur="indefinite" restart="never" nodeType="tmRoot"/>
+      </p:par>
+    </p:tnLst>
+  </p:timing>
+</p:sld>
+</file>
+
+<file path=ppt/slides/slide30.xml><?xml version="1.0" encoding="utf-8"?>
+<p:sld xmlns:a="http://schemas.openxmlformats.org/drawingml/2006/main" xmlns:r="http://schemas.openxmlformats.org/officeDocument/2006/relationships" xmlns:p="http://schemas.openxmlformats.org/presentationml/2006/main">
+  <p:cSld>
+    <p:spTree>
+      <p:nvGrpSpPr>
+        <p:cNvPr id="1" name=""/>
+        <p:cNvGrpSpPr/>
+        <p:nvPr/>
+      </p:nvGrpSpPr>
+      <p:grpSpPr>
+        <a:xfrm>
+          <a:off x="0" y="0"/>
+          <a:ext cx="0" cy="0"/>
+          <a:chOff x="0" y="0"/>
+          <a:chExt cx="0" cy="0"/>
+        </a:xfrm>
+      </p:grpSpPr>
+      <p:sp>
+        <p:nvSpPr>
+          <p:cNvPr id="2" name="Slide Number Placeholder 1"/>
+          <p:cNvSpPr>
+            <a:spLocks noGrp="1"/>
+          </p:cNvSpPr>
+          <p:nvPr>
+            <p:ph type="sldNum" sz="quarter" idx="12"/>
+          </p:nvPr>
+        </p:nvSpPr>
+        <p:spPr/>
+        <p:txBody>
+          <a:bodyPr/>
+          <a:lstStyle/>
+          <a:p>
+            <a:fld id="{1B2B9541-2074-4412-8B2C-539D74E29465}" type="slidenum">
+              <a:rPr lang="en-US" smtClean="0"/>
+              <a:t>30</a:t>
+            </a:fld>
+            <a:endParaRPr lang="en-US"/>
+          </a:p>
+        </p:txBody>
+      </p:sp>
+      <p:sp>
+        <p:nvSpPr>
+          <p:cNvPr id="4" name="Rectangle 3"/>
+          <p:cNvSpPr/>
+          <p:nvPr/>
+        </p:nvSpPr>
+        <p:spPr>
+          <a:xfrm>
+            <a:off x="0" y="0"/>
+            <a:ext cx="9144000" cy="609600"/>
+          </a:xfrm>
+          <a:prstGeom prst="rect">
+            <a:avLst/>
+          </a:prstGeom>
+          <a:solidFill>
+            <a:schemeClr val="bg1">
+              <a:lumMod val="95000"/>
+            </a:schemeClr>
+          </a:solidFill>
+          <a:ln>
+            <a:solidFill>
+              <a:schemeClr val="bg1">
+                <a:lumMod val="85000"/>
+              </a:schemeClr>
+            </a:solidFill>
+          </a:ln>
+        </p:spPr>
+        <p:style>
+          <a:lnRef idx="2">
+            <a:schemeClr val="accent1">
+              <a:shade val="50000"/>
+            </a:schemeClr>
+          </a:lnRef>
+          <a:fillRef idx="1">
+            <a:schemeClr val="accent1"/>
+          </a:fillRef>
+          <a:effectRef idx="0">
+            <a:schemeClr val="accent1"/>
+          </a:effectRef>
+          <a:fontRef idx="minor">
+            <a:schemeClr val="lt1"/>
+          </a:fontRef>
+        </p:style>
+        <p:txBody>
+          <a:bodyPr rtlCol="0" anchor="ctr"/>
+          <a:lstStyle/>
+          <a:p>
+            <a:r>
+              <a:rPr lang="en-US" sz="3200" dirty="0" smtClean="0">
+                <a:solidFill>
+                  <a:schemeClr val="tx1"/>
+                </a:solidFill>
+              </a:rPr>
+              <a:t>Reference</a:t>
+            </a:r>
+          </a:p>
+        </p:txBody>
+      </p:sp>
+      <p:sp>
+        <p:nvSpPr>
+          <p:cNvPr id="3" name="TextBox 2"/>
+          <p:cNvSpPr txBox="1"/>
+          <p:nvPr/>
+        </p:nvSpPr>
+        <p:spPr>
+          <a:xfrm>
+            <a:off x="609600" y="1371600"/>
+            <a:ext cx="495649" cy="369332"/>
+          </a:xfrm>
+          <a:prstGeom prst="rect">
+            <a:avLst/>
+          </a:prstGeom>
+          <a:noFill/>
+        </p:spPr>
+        <p:txBody>
+          <a:bodyPr wrap="none" rtlCol="0">
+            <a:spAutoFit/>
+          </a:bodyPr>
+          <a:lstStyle/>
+          <a:p>
+            <a:r>
+              <a:rPr lang="en-US" dirty="0" smtClean="0"/>
+              <a:t>[1] </a:t>
+            </a:r>
+            <a:endParaRPr lang="en-US" dirty="0"/>
+          </a:p>
+        </p:txBody>
+      </p:sp>
+      <p:sp>
+        <p:nvSpPr>
+          <p:cNvPr id="5" name="TextBox 4"/>
+          <p:cNvSpPr txBox="1"/>
+          <p:nvPr/>
+        </p:nvSpPr>
+        <p:spPr>
+          <a:xfrm>
+            <a:off x="1066800" y="1371600"/>
+            <a:ext cx="7556941" cy="1200329"/>
+          </a:xfrm>
+          <a:prstGeom prst="rect">
+            <a:avLst/>
+          </a:prstGeom>
+          <a:noFill/>
+        </p:spPr>
+        <p:txBody>
+          <a:bodyPr wrap="none" rtlCol="0">
+            <a:spAutoFit/>
+          </a:bodyPr>
+          <a:lstStyle/>
+          <a:p>
+            <a:r>
+              <a:rPr lang="en-US" dirty="0"/>
+              <a:t>Zhou, Y., </a:t>
+            </a:r>
+            <a:r>
+              <a:rPr lang="en-US" dirty="0" err="1"/>
+              <a:t>Xie</a:t>
+            </a:r>
+            <a:r>
+              <a:rPr lang="en-US" dirty="0"/>
+              <a:t>, X., Wang, C., Gong, Y., &amp; Ma, W.-Y. (2005). Hybrid index </a:t>
+            </a:r>
+            <a:r>
+              <a:rPr lang="en-US" dirty="0" smtClean="0"/>
+              <a:t>structures</a:t>
+            </a:r>
+          </a:p>
+          <a:p>
+            <a:r>
+              <a:rPr lang="en-US" dirty="0" smtClean="0"/>
+              <a:t>for </a:t>
+            </a:r>
+            <a:r>
+              <a:rPr lang="en-US" dirty="0"/>
+              <a:t>location-based web search. In CIKM ’05: Proceedings of the </a:t>
+            </a:r>
+            <a:r>
+              <a:rPr lang="en-US" dirty="0" smtClean="0"/>
+              <a:t>14</a:t>
+            </a:r>
+            <a:r>
+              <a:rPr lang="en-US" baseline="30000" dirty="0" smtClean="0"/>
+              <a:t>th</a:t>
+            </a:r>
+            <a:r>
+              <a:rPr lang="en-US" dirty="0" smtClean="0"/>
+              <a:t> ACM </a:t>
+            </a:r>
+          </a:p>
+          <a:p>
+            <a:r>
+              <a:rPr lang="en-US" dirty="0" smtClean="0"/>
+              <a:t>international </a:t>
+            </a:r>
+            <a:r>
+              <a:rPr lang="en-US" dirty="0"/>
+              <a:t>conference on information and knowledge </a:t>
+            </a:r>
+            <a:r>
+              <a:rPr lang="en-US" dirty="0" smtClean="0"/>
+              <a:t>management</a:t>
+            </a:r>
+          </a:p>
+          <a:p>
+            <a:r>
+              <a:rPr lang="en-US" dirty="0" smtClean="0"/>
+              <a:t>(</a:t>
+            </a:r>
+            <a:r>
+              <a:rPr lang="en-US" dirty="0"/>
+              <a:t>pp. 155–162). ACM.</a:t>
+            </a:r>
+          </a:p>
+        </p:txBody>
+      </p:sp>
+      <p:sp>
+        <p:nvSpPr>
+          <p:cNvPr id="8" name="TextBox 7"/>
+          <p:cNvSpPr txBox="1"/>
+          <p:nvPr/>
+        </p:nvSpPr>
+        <p:spPr>
+          <a:xfrm>
+            <a:off x="609600" y="2743200"/>
+            <a:ext cx="495649" cy="369332"/>
+          </a:xfrm>
+          <a:prstGeom prst="rect">
+            <a:avLst/>
+          </a:prstGeom>
+          <a:noFill/>
+        </p:spPr>
+        <p:txBody>
+          <a:bodyPr wrap="none" rtlCol="0">
+            <a:spAutoFit/>
+          </a:bodyPr>
+          <a:lstStyle/>
+          <a:p>
+            <a:r>
+              <a:rPr lang="en-US" dirty="0" smtClean="0"/>
+              <a:t>[2] </a:t>
+            </a:r>
+            <a:endParaRPr lang="en-US" dirty="0"/>
+          </a:p>
+        </p:txBody>
+      </p:sp>
+      <p:sp>
+        <p:nvSpPr>
+          <p:cNvPr id="9" name="TextBox 8"/>
+          <p:cNvSpPr txBox="1"/>
+          <p:nvPr/>
+        </p:nvSpPr>
+        <p:spPr>
+          <a:xfrm>
+            <a:off x="1066800" y="2734270"/>
+            <a:ext cx="7505453" cy="923330"/>
+          </a:xfrm>
+          <a:prstGeom prst="rect">
+            <a:avLst/>
+          </a:prstGeom>
+          <a:noFill/>
+        </p:spPr>
+        <p:txBody>
+          <a:bodyPr wrap="none" rtlCol="0">
+            <a:spAutoFit/>
+          </a:bodyPr>
+          <a:lstStyle/>
+          <a:p>
+            <a:r>
+              <a:rPr lang="en-US" dirty="0"/>
+              <a:t>Chen, Y. Y., </a:t>
+            </a:r>
+            <a:r>
+              <a:rPr lang="en-US" dirty="0" err="1"/>
+              <a:t>Suel</a:t>
+            </a:r>
+            <a:r>
+              <a:rPr lang="en-US" dirty="0"/>
+              <a:t>, T., &amp; </a:t>
+            </a:r>
+            <a:r>
+              <a:rPr lang="en-US" dirty="0" err="1"/>
+              <a:t>Markowetz</a:t>
+            </a:r>
+            <a:r>
+              <a:rPr lang="en-US" dirty="0"/>
+              <a:t>, A. (2006, June). Efficient query processing </a:t>
+            </a:r>
+            <a:r>
+              <a:rPr lang="en-US" dirty="0" smtClean="0"/>
+              <a:t>in</a:t>
+            </a:r>
+          </a:p>
+          <a:p>
+            <a:r>
+              <a:rPr lang="en-US" dirty="0"/>
+              <a:t>geographic web search engines. In </a:t>
+            </a:r>
+            <a:r>
+              <a:rPr lang="en-US" i="1" dirty="0"/>
+              <a:t>Proceedings of the 2006 ACM SIGMOD </a:t>
+            </a:r>
+            <a:endParaRPr lang="en-US" i="1" dirty="0" smtClean="0"/>
+          </a:p>
+          <a:p>
+            <a:r>
+              <a:rPr lang="en-US" i="1" dirty="0"/>
+              <a:t>international conference on Management of data</a:t>
+            </a:r>
+            <a:r>
+              <a:rPr lang="en-US" dirty="0"/>
+              <a:t> (pp. 277-288). ACM</a:t>
+            </a:r>
+            <a:r>
+              <a:rPr lang="en-US" dirty="0" smtClean="0"/>
+              <a:t>.</a:t>
+            </a:r>
+            <a:endParaRPr lang="en-US" dirty="0"/>
+          </a:p>
+        </p:txBody>
+      </p:sp>
+    </p:spTree>
+    <p:extLst>
+      <p:ext uri="{BB962C8B-B14F-4D97-AF65-F5344CB8AC3E}">
+        <p14:creationId xmlns:p14="http://schemas.microsoft.com/office/powerpoint/2010/main" val="2191661891"/>
       </p:ext>
     </p:extLst>
   </p:cSld>
@@ -8661,11 +9379,7 @@
             <a:pPr algn="ctr"/>
             <a:r>
               <a:rPr lang="en-US" dirty="0" smtClean="0"/>
-              <a:t>Extracts geographical </a:t>
-            </a:r>
-            <a:r>
-              <a:rPr lang="en-US" dirty="0" smtClean="0"/>
-              <a:t>scope of pages</a:t>
+              <a:t>Extracts geographical scope of pages</a:t>
             </a:r>
             <a:endParaRPr lang="en-US" dirty="0"/>
           </a:p>
@@ -8761,7 +9475,6 @@
               <a:rPr lang="en-US" dirty="0"/>
               <a:t>Builds hybrid index structure</a:t>
             </a:r>
-            <a:endParaRPr lang="en-US" dirty="0"/>
           </a:p>
         </p:txBody>
       </p:sp>
@@ -8808,7 +9521,6 @@
               <a:rPr lang="en-US" dirty="0"/>
               <a:t>Returns pages relevant to keyword and query region</a:t>
             </a:r>
-            <a:endParaRPr lang="en-US" dirty="0"/>
           </a:p>
         </p:txBody>
       </p:sp>
@@ -9316,7 +10028,6 @@
               <a:rPr lang="en-US" sz="2800" b="1" dirty="0" smtClean="0"/>
               <a:t>Important Definitions</a:t>
             </a:r>
-            <a:endParaRPr lang="en-US" sz="2800" b="1" dirty="0" smtClean="0"/>
           </a:p>
         </p:txBody>
       </p:sp>
@@ -9652,7 +10363,6 @@
               <a:rPr lang="en-US" sz="1400" dirty="0"/>
               <a:t>obtained from https://en.wikipedia.org/wiki/R-tree</a:t>
             </a:r>
-            <a:endParaRPr lang="en-US" sz="1400" dirty="0"/>
           </a:p>
         </p:txBody>
       </p:sp>
